--- a/template.pptx
+++ b/template.pptx
@@ -1,11 +1,11 @@
 
 <file path=ppt/presentation.xml><?xml version="1.0" encoding="utf-8"?>
-<p:presentation xmlns:a="http://schemas.openxmlformats.org/drawingml/2006/main" xmlns:r="http://schemas.openxmlformats.org/officeDocument/2006/relationships" xmlns:p="http://schemas.openxmlformats.org/presentationml/2006/main" saveSubsetFonts="1" embedTrueTypeFonts="true">
+<p:presentation xmlns:a="http://schemas.openxmlformats.org/drawingml/2006/main" xmlns:r="http://schemas.openxmlformats.org/officeDocument/2006/relationships" xmlns:p="http://schemas.openxmlformats.org/presentationml/2006/main" embedTrueTypeFonts="1" saveSubsetFonts="1">
   <p:sldMasterIdLst>
     <p:sldMasterId id="2147483648" r:id="rId1"/>
   </p:sldMasterIdLst>
   <p:sldIdLst>
-    <p:sldId id="256" r:id="rId6"/>
+    <p:sldId id="256" r:id="rId2"/>
   </p:sldIdLst>
   <p:sldSz cx="18288000" cy="10287000"/>
   <p:notesSz cx="6858000" cy="9144000"/>
@@ -104,6 +104,22 @@
       </a:defRPr>
     </a:lvl9pPr>
   </p:defaultTextStyle>
+  <p:extLst>
+    <p:ext uri="{EFAFB233-063F-42B5-8137-9DF3F51BA10A}">
+      <p15:sldGuideLst xmlns:p15="http://schemas.microsoft.com/office/powerpoint/2012/main">
+        <p15:guide id="1" orient="horz" pos="2160">
+          <p15:clr>
+            <a:srgbClr val="A4A3A4"/>
+          </p15:clr>
+        </p15:guide>
+        <p15:guide id="2" pos="2880">
+          <p15:clr>
+            <a:srgbClr val="A4A3A4"/>
+          </p15:clr>
+        </p15:guide>
+      </p15:sldGuideLst>
+    </p:ext>
+  </p:extLst>
 </p:presentation>
 </file>
 
@@ -145,10 +161,9 @@
           <a:lstStyle/>
           <a:p>
             <a:r>
-              <a:rPr lang="en-US" smtClean="0"/>
+              <a:rPr lang="en-US"/>
               <a:t>Click to edit Master title style</a:t>
             </a:r>
-            <a:endParaRPr lang="en-US"/>
           </a:p>
         </p:txBody>
       </p:sp>
@@ -264,10 +279,9 @@
           </a:lstStyle>
           <a:p>
             <a:r>
-              <a:rPr lang="en-US" smtClean="0"/>
+              <a:rPr lang="en-US"/>
               <a:t>Click to edit Master subtitle style</a:t>
             </a:r>
-            <a:endParaRPr lang="en-US"/>
           </a:p>
         </p:txBody>
       </p:sp>
@@ -289,7 +303,7 @@
             <a:fld id="{1D8BD707-D9CF-40AE-B4C6-C98DA3205C09}" type="datetimeFigureOut">
               <a:rPr lang="en-US" smtClean="0"/>
               <a:pPr/>
-              <a:t>8/1/2011</a:t>
+              <a:t>12/3/2025</a:t>
             </a:fld>
             <a:endParaRPr lang="en-US"/>
           </a:p>
@@ -332,7 +346,7 @@
             <a:fld id="{B6F15528-21DE-4FAA-801E-634DDDAF4B2B}" type="slidenum">
               <a:rPr lang="en-US" smtClean="0"/>
               <a:pPr/>
-              <a:t>‹#›</a:t>
+              <a:t>‹№›</a:t>
             </a:fld>
             <a:endParaRPr lang="en-US"/>
           </a:p>
@@ -379,10 +393,9 @@
           <a:lstStyle/>
           <a:p>
             <a:r>
-              <a:rPr lang="en-US" smtClean="0"/>
+              <a:rPr lang="en-US"/>
               <a:t>Click to edit Master title style</a:t>
             </a:r>
-            <a:endParaRPr lang="en-US"/>
           </a:p>
         </p:txBody>
       </p:sp>
@@ -403,38 +416,37 @@
           <a:p>
             <a:pPr lvl="0"/>
             <a:r>
-              <a:rPr lang="en-US" smtClean="0"/>
+              <a:rPr lang="en-US"/>
               <a:t>Click to edit Master text styles</a:t>
             </a:r>
           </a:p>
           <a:p>
             <a:pPr lvl="1"/>
             <a:r>
-              <a:rPr lang="en-US" smtClean="0"/>
+              <a:rPr lang="en-US"/>
               <a:t>Second level</a:t>
             </a:r>
           </a:p>
           <a:p>
             <a:pPr lvl="2"/>
             <a:r>
-              <a:rPr lang="en-US" smtClean="0"/>
+              <a:rPr lang="en-US"/>
               <a:t>Third level</a:t>
             </a:r>
           </a:p>
           <a:p>
             <a:pPr lvl="3"/>
             <a:r>
-              <a:rPr lang="en-US" smtClean="0"/>
+              <a:rPr lang="en-US"/>
               <a:t>Fourth level</a:t>
             </a:r>
           </a:p>
           <a:p>
             <a:pPr lvl="4"/>
             <a:r>
-              <a:rPr lang="en-US" smtClean="0"/>
+              <a:rPr lang="en-US"/>
               <a:t>Fifth level</a:t>
             </a:r>
-            <a:endParaRPr lang="en-US"/>
           </a:p>
         </p:txBody>
       </p:sp>
@@ -456,7 +468,7 @@
             <a:fld id="{1D8BD707-D9CF-40AE-B4C6-C98DA3205C09}" type="datetimeFigureOut">
               <a:rPr lang="en-US" smtClean="0"/>
               <a:pPr/>
-              <a:t>8/1/2011</a:t>
+              <a:t>12/3/2025</a:t>
             </a:fld>
             <a:endParaRPr lang="en-US"/>
           </a:p>
@@ -499,7 +511,7 @@
             <a:fld id="{B6F15528-21DE-4FAA-801E-634DDDAF4B2B}" type="slidenum">
               <a:rPr lang="en-US" smtClean="0"/>
               <a:pPr/>
-              <a:t>‹#›</a:t>
+              <a:t>‹№›</a:t>
             </a:fld>
             <a:endParaRPr lang="en-US"/>
           </a:p>
@@ -551,10 +563,9 @@
           <a:lstStyle/>
           <a:p>
             <a:r>
-              <a:rPr lang="en-US" smtClean="0"/>
+              <a:rPr lang="en-US"/>
               <a:t>Click to edit Master title style</a:t>
             </a:r>
-            <a:endParaRPr lang="en-US"/>
           </a:p>
         </p:txBody>
       </p:sp>
@@ -580,38 +591,37 @@
           <a:p>
             <a:pPr lvl="0"/>
             <a:r>
-              <a:rPr lang="en-US" smtClean="0"/>
+              <a:rPr lang="en-US"/>
               <a:t>Click to edit Master text styles</a:t>
             </a:r>
           </a:p>
           <a:p>
             <a:pPr lvl="1"/>
             <a:r>
-              <a:rPr lang="en-US" smtClean="0"/>
+              <a:rPr lang="en-US"/>
               <a:t>Second level</a:t>
             </a:r>
           </a:p>
           <a:p>
             <a:pPr lvl="2"/>
             <a:r>
-              <a:rPr lang="en-US" smtClean="0"/>
+              <a:rPr lang="en-US"/>
               <a:t>Third level</a:t>
             </a:r>
           </a:p>
           <a:p>
             <a:pPr lvl="3"/>
             <a:r>
-              <a:rPr lang="en-US" smtClean="0"/>
+              <a:rPr lang="en-US"/>
               <a:t>Fourth level</a:t>
             </a:r>
           </a:p>
           <a:p>
             <a:pPr lvl="4"/>
             <a:r>
-              <a:rPr lang="en-US" smtClean="0"/>
+              <a:rPr lang="en-US"/>
               <a:t>Fifth level</a:t>
             </a:r>
-            <a:endParaRPr lang="en-US"/>
           </a:p>
         </p:txBody>
       </p:sp>
@@ -633,7 +643,7 @@
             <a:fld id="{1D8BD707-D9CF-40AE-B4C6-C98DA3205C09}" type="datetimeFigureOut">
               <a:rPr lang="en-US" smtClean="0"/>
               <a:pPr/>
-              <a:t>8/1/2011</a:t>
+              <a:t>12/3/2025</a:t>
             </a:fld>
             <a:endParaRPr lang="en-US"/>
           </a:p>
@@ -676,7 +686,7 @@
             <a:fld id="{B6F15528-21DE-4FAA-801E-634DDDAF4B2B}" type="slidenum">
               <a:rPr lang="en-US" smtClean="0"/>
               <a:pPr/>
-              <a:t>‹#›</a:t>
+              <a:t>‹№›</a:t>
             </a:fld>
             <a:endParaRPr lang="en-US"/>
           </a:p>
@@ -723,10 +733,9 @@
           <a:lstStyle/>
           <a:p>
             <a:r>
-              <a:rPr lang="en-US" smtClean="0"/>
+              <a:rPr lang="en-US"/>
               <a:t>Click to edit Master title style</a:t>
             </a:r>
-            <a:endParaRPr lang="en-US"/>
           </a:p>
         </p:txBody>
       </p:sp>
@@ -747,38 +756,37 @@
           <a:p>
             <a:pPr lvl="0"/>
             <a:r>
-              <a:rPr lang="en-US" smtClean="0"/>
+              <a:rPr lang="en-US"/>
               <a:t>Click to edit Master text styles</a:t>
             </a:r>
           </a:p>
           <a:p>
             <a:pPr lvl="1"/>
             <a:r>
-              <a:rPr lang="en-US" smtClean="0"/>
+              <a:rPr lang="en-US"/>
               <a:t>Second level</a:t>
             </a:r>
           </a:p>
           <a:p>
             <a:pPr lvl="2"/>
             <a:r>
-              <a:rPr lang="en-US" smtClean="0"/>
+              <a:rPr lang="en-US"/>
               <a:t>Third level</a:t>
             </a:r>
           </a:p>
           <a:p>
             <a:pPr lvl="3"/>
             <a:r>
-              <a:rPr lang="en-US" smtClean="0"/>
+              <a:rPr lang="en-US"/>
               <a:t>Fourth level</a:t>
             </a:r>
           </a:p>
           <a:p>
             <a:pPr lvl="4"/>
             <a:r>
-              <a:rPr lang="en-US" smtClean="0"/>
+              <a:rPr lang="en-US"/>
               <a:t>Fifth level</a:t>
             </a:r>
-            <a:endParaRPr lang="en-US"/>
           </a:p>
         </p:txBody>
       </p:sp>
@@ -800,7 +808,7 @@
             <a:fld id="{1D8BD707-D9CF-40AE-B4C6-C98DA3205C09}" type="datetimeFigureOut">
               <a:rPr lang="en-US" smtClean="0"/>
               <a:pPr/>
-              <a:t>8/1/2011</a:t>
+              <a:t>12/3/2025</a:t>
             </a:fld>
             <a:endParaRPr lang="en-US"/>
           </a:p>
@@ -843,7 +851,7 @@
             <a:fld id="{B6F15528-21DE-4FAA-801E-634DDDAF4B2B}" type="slidenum">
               <a:rPr lang="en-US" smtClean="0"/>
               <a:pPr/>
-              <a:t>‹#›</a:t>
+              <a:t>‹№›</a:t>
             </a:fld>
             <a:endParaRPr lang="en-US"/>
           </a:p>
@@ -899,10 +907,9 @@
           </a:lstStyle>
           <a:p>
             <a:r>
-              <a:rPr lang="en-US" smtClean="0"/>
+              <a:rPr lang="en-US"/>
               <a:t>Click to edit Master title style</a:t>
             </a:r>
-            <a:endParaRPr lang="en-US"/>
           </a:p>
         </p:txBody>
       </p:sp>
@@ -1019,7 +1026,7 @@
           <a:p>
             <a:pPr lvl="0"/>
             <a:r>
-              <a:rPr lang="en-US" smtClean="0"/>
+              <a:rPr lang="en-US"/>
               <a:t>Click to edit Master text styles</a:t>
             </a:r>
           </a:p>
@@ -1043,7 +1050,7 @@
             <a:fld id="{1D8BD707-D9CF-40AE-B4C6-C98DA3205C09}" type="datetimeFigureOut">
               <a:rPr lang="en-US" smtClean="0"/>
               <a:pPr/>
-              <a:t>8/1/2011</a:t>
+              <a:t>12/3/2025</a:t>
             </a:fld>
             <a:endParaRPr lang="en-US"/>
           </a:p>
@@ -1086,7 +1093,7 @@
             <a:fld id="{B6F15528-21DE-4FAA-801E-634DDDAF4B2B}" type="slidenum">
               <a:rPr lang="en-US" smtClean="0"/>
               <a:pPr/>
-              <a:t>‹#›</a:t>
+              <a:t>‹№›</a:t>
             </a:fld>
             <a:endParaRPr lang="en-US"/>
           </a:p>
@@ -1133,10 +1140,9 @@
           <a:lstStyle/>
           <a:p>
             <a:r>
-              <a:rPr lang="en-US" smtClean="0"/>
+              <a:rPr lang="en-US"/>
               <a:t>Click to edit Master title style</a:t>
             </a:r>
-            <a:endParaRPr lang="en-US"/>
           </a:p>
         </p:txBody>
       </p:sp>
@@ -1190,38 +1196,37 @@
           <a:p>
             <a:pPr lvl="0"/>
             <a:r>
-              <a:rPr lang="en-US" smtClean="0"/>
+              <a:rPr lang="en-US"/>
               <a:t>Click to edit Master text styles</a:t>
             </a:r>
           </a:p>
           <a:p>
             <a:pPr lvl="1"/>
             <a:r>
-              <a:rPr lang="en-US" smtClean="0"/>
+              <a:rPr lang="en-US"/>
               <a:t>Second level</a:t>
             </a:r>
           </a:p>
           <a:p>
             <a:pPr lvl="2"/>
             <a:r>
-              <a:rPr lang="en-US" smtClean="0"/>
+              <a:rPr lang="en-US"/>
               <a:t>Third level</a:t>
             </a:r>
           </a:p>
           <a:p>
             <a:pPr lvl="3"/>
             <a:r>
-              <a:rPr lang="en-US" smtClean="0"/>
+              <a:rPr lang="en-US"/>
               <a:t>Fourth level</a:t>
             </a:r>
           </a:p>
           <a:p>
             <a:pPr lvl="4"/>
             <a:r>
-              <a:rPr lang="en-US" smtClean="0"/>
+              <a:rPr lang="en-US"/>
               <a:t>Fifth level</a:t>
             </a:r>
-            <a:endParaRPr lang="en-US"/>
           </a:p>
         </p:txBody>
       </p:sp>
@@ -1275,38 +1280,37 @@
           <a:p>
             <a:pPr lvl="0"/>
             <a:r>
-              <a:rPr lang="en-US" smtClean="0"/>
+              <a:rPr lang="en-US"/>
               <a:t>Click to edit Master text styles</a:t>
             </a:r>
           </a:p>
           <a:p>
             <a:pPr lvl="1"/>
             <a:r>
-              <a:rPr lang="en-US" smtClean="0"/>
+              <a:rPr lang="en-US"/>
               <a:t>Second level</a:t>
             </a:r>
           </a:p>
           <a:p>
             <a:pPr lvl="2"/>
             <a:r>
-              <a:rPr lang="en-US" smtClean="0"/>
+              <a:rPr lang="en-US"/>
               <a:t>Third level</a:t>
             </a:r>
           </a:p>
           <a:p>
             <a:pPr lvl="3"/>
             <a:r>
-              <a:rPr lang="en-US" smtClean="0"/>
+              <a:rPr lang="en-US"/>
               <a:t>Fourth level</a:t>
             </a:r>
           </a:p>
           <a:p>
             <a:pPr lvl="4"/>
             <a:r>
-              <a:rPr lang="en-US" smtClean="0"/>
+              <a:rPr lang="en-US"/>
               <a:t>Fifth level</a:t>
             </a:r>
-            <a:endParaRPr lang="en-US"/>
           </a:p>
         </p:txBody>
       </p:sp>
@@ -1328,7 +1332,7 @@
             <a:fld id="{1D8BD707-D9CF-40AE-B4C6-C98DA3205C09}" type="datetimeFigureOut">
               <a:rPr lang="en-US" smtClean="0"/>
               <a:pPr/>
-              <a:t>8/1/2011</a:t>
+              <a:t>12/3/2025</a:t>
             </a:fld>
             <a:endParaRPr lang="en-US"/>
           </a:p>
@@ -1371,7 +1375,7 @@
             <a:fld id="{B6F15528-21DE-4FAA-801E-634DDDAF4B2B}" type="slidenum">
               <a:rPr lang="en-US" smtClean="0"/>
               <a:pPr/>
-              <a:t>‹#›</a:t>
+              <a:t>‹№›</a:t>
             </a:fld>
             <a:endParaRPr lang="en-US"/>
           </a:p>
@@ -1422,10 +1426,9 @@
           </a:lstStyle>
           <a:p>
             <a:r>
-              <a:rPr lang="en-US" smtClean="0"/>
+              <a:rPr lang="en-US"/>
               <a:t>Click to edit Master title style</a:t>
             </a:r>
-            <a:endParaRPr lang="en-US"/>
           </a:p>
         </p:txBody>
       </p:sp>
@@ -1488,7 +1491,7 @@
           <a:p>
             <a:pPr lvl="0"/>
             <a:r>
-              <a:rPr lang="en-US" smtClean="0"/>
+              <a:rPr lang="en-US"/>
               <a:t>Click to edit Master text styles</a:t>
             </a:r>
           </a:p>
@@ -1544,38 +1547,37 @@
           <a:p>
             <a:pPr lvl="0"/>
             <a:r>
-              <a:rPr lang="en-US" smtClean="0"/>
+              <a:rPr lang="en-US"/>
               <a:t>Click to edit Master text styles</a:t>
             </a:r>
           </a:p>
           <a:p>
             <a:pPr lvl="1"/>
             <a:r>
-              <a:rPr lang="en-US" smtClean="0"/>
+              <a:rPr lang="en-US"/>
               <a:t>Second level</a:t>
             </a:r>
           </a:p>
           <a:p>
             <a:pPr lvl="2"/>
             <a:r>
-              <a:rPr lang="en-US" smtClean="0"/>
+              <a:rPr lang="en-US"/>
               <a:t>Third level</a:t>
             </a:r>
           </a:p>
           <a:p>
             <a:pPr lvl="3"/>
             <a:r>
-              <a:rPr lang="en-US" smtClean="0"/>
+              <a:rPr lang="en-US"/>
               <a:t>Fourth level</a:t>
             </a:r>
           </a:p>
           <a:p>
             <a:pPr lvl="4"/>
             <a:r>
-              <a:rPr lang="en-US" smtClean="0"/>
+              <a:rPr lang="en-US"/>
               <a:t>Fifth level</a:t>
             </a:r>
-            <a:endParaRPr lang="en-US"/>
           </a:p>
         </p:txBody>
       </p:sp>
@@ -1638,7 +1640,7 @@
           <a:p>
             <a:pPr lvl="0"/>
             <a:r>
-              <a:rPr lang="en-US" smtClean="0"/>
+              <a:rPr lang="en-US"/>
               <a:t>Click to edit Master text styles</a:t>
             </a:r>
           </a:p>
@@ -1694,38 +1696,37 @@
           <a:p>
             <a:pPr lvl="0"/>
             <a:r>
-              <a:rPr lang="en-US" smtClean="0"/>
+              <a:rPr lang="en-US"/>
               <a:t>Click to edit Master text styles</a:t>
             </a:r>
           </a:p>
           <a:p>
             <a:pPr lvl="1"/>
             <a:r>
-              <a:rPr lang="en-US" smtClean="0"/>
+              <a:rPr lang="en-US"/>
               <a:t>Second level</a:t>
             </a:r>
           </a:p>
           <a:p>
             <a:pPr lvl="2"/>
             <a:r>
-              <a:rPr lang="en-US" smtClean="0"/>
+              <a:rPr lang="en-US"/>
               <a:t>Third level</a:t>
             </a:r>
           </a:p>
           <a:p>
             <a:pPr lvl="3"/>
             <a:r>
-              <a:rPr lang="en-US" smtClean="0"/>
+              <a:rPr lang="en-US"/>
               <a:t>Fourth level</a:t>
             </a:r>
           </a:p>
           <a:p>
             <a:pPr lvl="4"/>
             <a:r>
-              <a:rPr lang="en-US" smtClean="0"/>
+              <a:rPr lang="en-US"/>
               <a:t>Fifth level</a:t>
             </a:r>
-            <a:endParaRPr lang="en-US"/>
           </a:p>
         </p:txBody>
       </p:sp>
@@ -1747,7 +1748,7 @@
             <a:fld id="{1D8BD707-D9CF-40AE-B4C6-C98DA3205C09}" type="datetimeFigureOut">
               <a:rPr lang="en-US" smtClean="0"/>
               <a:pPr/>
-              <a:t>8/1/2011</a:t>
+              <a:t>12/3/2025</a:t>
             </a:fld>
             <a:endParaRPr lang="en-US"/>
           </a:p>
@@ -1790,7 +1791,7 @@
             <a:fld id="{B6F15528-21DE-4FAA-801E-634DDDAF4B2B}" type="slidenum">
               <a:rPr lang="en-US" smtClean="0"/>
               <a:pPr/>
-              <a:t>‹#›</a:t>
+              <a:t>‹№›</a:t>
             </a:fld>
             <a:endParaRPr lang="en-US"/>
           </a:p>
@@ -1837,10 +1838,9 @@
           <a:lstStyle/>
           <a:p>
             <a:r>
-              <a:rPr lang="en-US" smtClean="0"/>
+              <a:rPr lang="en-US"/>
               <a:t>Click to edit Master title style</a:t>
             </a:r>
-            <a:endParaRPr lang="en-US"/>
           </a:p>
         </p:txBody>
       </p:sp>
@@ -1862,7 +1862,7 @@
             <a:fld id="{1D8BD707-D9CF-40AE-B4C6-C98DA3205C09}" type="datetimeFigureOut">
               <a:rPr lang="en-US" smtClean="0"/>
               <a:pPr/>
-              <a:t>8/1/2011</a:t>
+              <a:t>12/3/2025</a:t>
             </a:fld>
             <a:endParaRPr lang="en-US"/>
           </a:p>
@@ -1905,7 +1905,7 @@
             <a:fld id="{B6F15528-21DE-4FAA-801E-634DDDAF4B2B}" type="slidenum">
               <a:rPr lang="en-US" smtClean="0"/>
               <a:pPr/>
-              <a:t>‹#›</a:t>
+              <a:t>‹№›</a:t>
             </a:fld>
             <a:endParaRPr lang="en-US"/>
           </a:p>
@@ -1954,7 +1954,7 @@
             <a:fld id="{1D8BD707-D9CF-40AE-B4C6-C98DA3205C09}" type="datetimeFigureOut">
               <a:rPr lang="en-US" smtClean="0"/>
               <a:pPr/>
-              <a:t>8/1/2011</a:t>
+              <a:t>12/3/2025</a:t>
             </a:fld>
             <a:endParaRPr lang="en-US"/>
           </a:p>
@@ -1997,7 +1997,7 @@
             <a:fld id="{B6F15528-21DE-4FAA-801E-634DDDAF4B2B}" type="slidenum">
               <a:rPr lang="en-US" smtClean="0"/>
               <a:pPr/>
-              <a:t>‹#›</a:t>
+              <a:t>‹№›</a:t>
             </a:fld>
             <a:endParaRPr lang="en-US"/>
           </a:p>
@@ -2053,10 +2053,9 @@
           </a:lstStyle>
           <a:p>
             <a:r>
-              <a:rPr lang="en-US" smtClean="0"/>
+              <a:rPr lang="en-US"/>
               <a:t>Click to edit Master title style</a:t>
             </a:r>
-            <a:endParaRPr lang="en-US"/>
           </a:p>
         </p:txBody>
       </p:sp>
@@ -2110,38 +2109,37 @@
           <a:p>
             <a:pPr lvl="0"/>
             <a:r>
-              <a:rPr lang="en-US" smtClean="0"/>
+              <a:rPr lang="en-US"/>
               <a:t>Click to edit Master text styles</a:t>
             </a:r>
           </a:p>
           <a:p>
             <a:pPr lvl="1"/>
             <a:r>
-              <a:rPr lang="en-US" smtClean="0"/>
+              <a:rPr lang="en-US"/>
               <a:t>Second level</a:t>
             </a:r>
           </a:p>
           <a:p>
             <a:pPr lvl="2"/>
             <a:r>
-              <a:rPr lang="en-US" smtClean="0"/>
+              <a:rPr lang="en-US"/>
               <a:t>Third level</a:t>
             </a:r>
           </a:p>
           <a:p>
             <a:pPr lvl="3"/>
             <a:r>
-              <a:rPr lang="en-US" smtClean="0"/>
+              <a:rPr lang="en-US"/>
               <a:t>Fourth level</a:t>
             </a:r>
           </a:p>
           <a:p>
             <a:pPr lvl="4"/>
             <a:r>
-              <a:rPr lang="en-US" smtClean="0"/>
+              <a:rPr lang="en-US"/>
               <a:t>Fifth level</a:t>
             </a:r>
-            <a:endParaRPr lang="en-US"/>
           </a:p>
         </p:txBody>
       </p:sp>
@@ -2204,7 +2202,7 @@
           <a:p>
             <a:pPr lvl="0"/>
             <a:r>
-              <a:rPr lang="en-US" smtClean="0"/>
+              <a:rPr lang="en-US"/>
               <a:t>Click to edit Master text styles</a:t>
             </a:r>
           </a:p>
@@ -2228,7 +2226,7 @@
             <a:fld id="{1D8BD707-D9CF-40AE-B4C6-C98DA3205C09}" type="datetimeFigureOut">
               <a:rPr lang="en-US" smtClean="0"/>
               <a:pPr/>
-              <a:t>8/1/2011</a:t>
+              <a:t>12/3/2025</a:t>
             </a:fld>
             <a:endParaRPr lang="en-US"/>
           </a:p>
@@ -2271,7 +2269,7 @@
             <a:fld id="{B6F15528-21DE-4FAA-801E-634DDDAF4B2B}" type="slidenum">
               <a:rPr lang="en-US" smtClean="0"/>
               <a:pPr/>
-              <a:t>‹#›</a:t>
+              <a:t>‹№›</a:t>
             </a:fld>
             <a:endParaRPr lang="en-US"/>
           </a:p>
@@ -2327,10 +2325,9 @@
           </a:lstStyle>
           <a:p>
             <a:r>
-              <a:rPr lang="en-US" smtClean="0"/>
+              <a:rPr lang="en-US"/>
               <a:t>Click to edit Master title style</a:t>
             </a:r>
-            <a:endParaRPr lang="en-US"/>
           </a:p>
         </p:txBody>
       </p:sp>
@@ -2454,7 +2451,7 @@
           <a:p>
             <a:pPr lvl="0"/>
             <a:r>
-              <a:rPr lang="en-US" smtClean="0"/>
+              <a:rPr lang="en-US"/>
               <a:t>Click to edit Master text styles</a:t>
             </a:r>
           </a:p>
@@ -2478,7 +2475,7 @@
             <a:fld id="{1D8BD707-D9CF-40AE-B4C6-C98DA3205C09}" type="datetimeFigureOut">
               <a:rPr lang="en-US" smtClean="0"/>
               <a:pPr/>
-              <a:t>8/1/2011</a:t>
+              <a:t>12/3/2025</a:t>
             </a:fld>
             <a:endParaRPr lang="en-US"/>
           </a:p>
@@ -2521,7 +2518,7 @@
             <a:fld id="{B6F15528-21DE-4FAA-801E-634DDDAF4B2B}" type="slidenum">
               <a:rPr lang="en-US" smtClean="0"/>
               <a:pPr/>
-              <a:t>‹#›</a:t>
+              <a:t>‹№›</a:t>
             </a:fld>
             <a:endParaRPr lang="en-US"/>
           </a:p>
@@ -2539,9 +2536,12 @@
 <p:sldMaster xmlns:a="http://schemas.openxmlformats.org/drawingml/2006/main" xmlns:r="http://schemas.openxmlformats.org/officeDocument/2006/relationships" xmlns:p="http://schemas.openxmlformats.org/presentationml/2006/main">
   <p:cSld>
     <p:bg>
-      <p:bgRef idx="1001">
-        <a:schemeClr val="bg1"/>
-      </p:bgRef>
+      <p:bgPr>
+        <a:solidFill>
+          <a:srgbClr val="F5E9DD"/>
+        </a:solidFill>
+        <a:effectLst/>
+      </p:bgPr>
     </p:bg>
     <p:spTree>
       <p:nvGrpSpPr>
@@ -2583,10 +2583,9 @@
           <a:lstStyle/>
           <a:p>
             <a:r>
-              <a:rPr lang="en-US" smtClean="0"/>
+              <a:rPr lang="en-US"/>
               <a:t>Click to edit Master title style</a:t>
             </a:r>
-            <a:endParaRPr lang="en-US"/>
           </a:p>
         </p:txBody>
       </p:sp>
@@ -2617,38 +2616,37 @@
           <a:p>
             <a:pPr lvl="0"/>
             <a:r>
-              <a:rPr lang="en-US" smtClean="0"/>
+              <a:rPr lang="en-US"/>
               <a:t>Click to edit Master text styles</a:t>
             </a:r>
           </a:p>
           <a:p>
             <a:pPr lvl="1"/>
             <a:r>
-              <a:rPr lang="en-US" smtClean="0"/>
+              <a:rPr lang="en-US"/>
               <a:t>Second level</a:t>
             </a:r>
           </a:p>
           <a:p>
             <a:pPr lvl="2"/>
             <a:r>
-              <a:rPr lang="en-US" smtClean="0"/>
+              <a:rPr lang="en-US"/>
               <a:t>Third level</a:t>
             </a:r>
           </a:p>
           <a:p>
             <a:pPr lvl="3"/>
             <a:r>
-              <a:rPr lang="en-US" smtClean="0"/>
+              <a:rPr lang="en-US"/>
               <a:t>Fourth level</a:t>
             </a:r>
           </a:p>
           <a:p>
             <a:pPr lvl="4"/>
             <a:r>
-              <a:rPr lang="en-US" smtClean="0"/>
+              <a:rPr lang="en-US"/>
               <a:t>Fifth level</a:t>
             </a:r>
-            <a:endParaRPr lang="en-US"/>
           </a:p>
         </p:txBody>
       </p:sp>
@@ -2688,7 +2686,7 @@
             <a:fld id="{1D8BD707-D9CF-40AE-B4C6-C98DA3205C09}" type="datetimeFigureOut">
               <a:rPr lang="en-US" smtClean="0"/>
               <a:pPr/>
-              <a:t>8/1/2011</a:t>
+              <a:t>12/3/2025</a:t>
             </a:fld>
             <a:endParaRPr lang="en-US"/>
           </a:p>
@@ -2767,7 +2765,7 @@
             <a:fld id="{B6F15528-21DE-4FAA-801E-634DDDAF4B2B}" type="slidenum">
               <a:rPr lang="en-US" smtClean="0"/>
               <a:pPr/>
-              <a:t>‹#›</a:t>
+              <a:t>‹№›</a:t>
             </a:fld>
             <a:endParaRPr lang="en-US"/>
           </a:p>
@@ -3043,15 +3041,8 @@
 </file>
 
 <file path=ppt/slides/slide1.xml><?xml version="1.0" encoding="utf-8"?>
-<p:sld xmlns:p="http://schemas.openxmlformats.org/presentationml/2006/main" xmlns:a="http://schemas.openxmlformats.org/drawingml/2006/main" xmlns:r="http://schemas.openxmlformats.org/officeDocument/2006/relationships">
+<p:sld xmlns:a="http://schemas.openxmlformats.org/drawingml/2006/main" xmlns:r="http://schemas.openxmlformats.org/officeDocument/2006/relationships" xmlns:p="http://schemas.openxmlformats.org/presentationml/2006/main">
   <p:cSld>
-    <p:bg>
-      <p:bgPr>
-        <a:solidFill>
-          <a:srgbClr val="F5E9DD"/>
-        </a:solidFill>
-      </p:bgPr>
-    </p:bg>
     <p:spTree>
       <p:nvGrpSpPr>
         <p:cNvPr id="1" name=""/>
@@ -3068,12 +3059,12 @@
       </p:grpSpPr>
       <p:sp>
         <p:nvSpPr>
-          <p:cNvPr name="Freeform 2" id="2"/>
+          <p:cNvPr id="2" name="Freeform 2"/>
           <p:cNvSpPr/>
           <p:nvPr/>
         </p:nvSpPr>
         <p:spPr>
-          <a:xfrm flipH="false" flipV="false" rot="0">
+          <a:xfrm>
             <a:off x="0" y="0"/>
             <a:ext cx="2334976" cy="5435824"/>
           </a:xfrm>
@@ -3082,9 +3073,9 @@
             <a:gdLst/>
             <a:ahLst/>
             <a:cxnLst/>
-            <a:rect r="r" b="b" t="t" l="l"/>
+            <a:rect l="l" t="t" r="r" b="b"/>
             <a:pathLst>
-              <a:path h="5435824" w="2334976">
+              <a:path w="2334976" h="5435824">
                 <a:moveTo>
                   <a:pt x="0" y="0"/>
                 </a:moveTo>
@@ -3114,12 +3105,12 @@
       </p:sp>
       <p:sp>
         <p:nvSpPr>
-          <p:cNvPr name="Freeform 3" id="3"/>
+          <p:cNvPr id="3" name="Freeform 3"/>
           <p:cNvSpPr/>
           <p:nvPr/>
         </p:nvSpPr>
         <p:spPr>
-          <a:xfrm flipH="false" flipV="false" rot="0">
+          <a:xfrm>
             <a:off x="15953024" y="4851176"/>
             <a:ext cx="2334976" cy="5435824"/>
           </a:xfrm>
@@ -3128,9 +3119,9 @@
             <a:gdLst/>
             <a:ahLst/>
             <a:cxnLst/>
-            <a:rect r="r" b="b" t="t" l="l"/>
+            <a:rect l="l" t="t" r="r" b="b"/>
             <a:pathLst>
-              <a:path h="5435824" w="2334976">
+              <a:path w="2334976" h="5435824">
                 <a:moveTo>
                   <a:pt x="0" y="0"/>
                 </a:moveTo>
